--- a/Concevoir/03_LiaisonsEncastrementDemontables/Application_02_PoulieReglable/Evaluation-Liais-Encast-Demont.pptx
+++ b/Concevoir/03_LiaisonsEncastrementDemontables/Application_02_PoulieReglable/Evaluation-Liais-Encast-Demont.pptx
@@ -7,6 +7,7 @@
   <p:sldIdLst>
     <p:sldId id="256" r:id="rId2"/>
     <p:sldId id="257" r:id="rId3"/>
+    <p:sldId id="258" r:id="rId4"/>
   </p:sldIdLst>
   <p:sldSz cx="9144000" cy="6858000" type="screen4x3"/>
   <p:notesSz cx="6858000" cy="9144000"/>
@@ -289,7 +290,8 @@
           <a:p>
             <a:fld id="{5B621EC2-A11B-4501-8D06-D7B7E9B1ADF6}" type="datetimeFigureOut">
               <a:rPr lang="fr-FR" smtClean="0"/>
-              <a:t>13/11/2013</a:t>
+              <a:pPr/>
+              <a:t>14/11/2014</a:t>
             </a:fld>
             <a:endParaRPr lang="fr-FR"/>
           </a:p>
@@ -331,6 +333,7 @@
           <a:p>
             <a:fld id="{A1173AC4-5051-4C36-A127-295F375C73B2}" type="slidenum">
               <a:rPr lang="fr-FR" smtClean="0"/>
+              <a:pPr/>
               <a:t>‹N°›</a:t>
             </a:fld>
             <a:endParaRPr lang="fr-FR"/>
@@ -454,7 +457,8 @@
           <a:p>
             <a:fld id="{5B621EC2-A11B-4501-8D06-D7B7E9B1ADF6}" type="datetimeFigureOut">
               <a:rPr lang="fr-FR" smtClean="0"/>
-              <a:t>13/11/2013</a:t>
+              <a:pPr/>
+              <a:t>14/11/2014</a:t>
             </a:fld>
             <a:endParaRPr lang="fr-FR"/>
           </a:p>
@@ -496,6 +500,7 @@
           <a:p>
             <a:fld id="{A1173AC4-5051-4C36-A127-295F375C73B2}" type="slidenum">
               <a:rPr lang="fr-FR" smtClean="0"/>
+              <a:pPr/>
               <a:t>‹N°›</a:t>
             </a:fld>
             <a:endParaRPr lang="fr-FR"/>
@@ -629,7 +634,8 @@
           <a:p>
             <a:fld id="{5B621EC2-A11B-4501-8D06-D7B7E9B1ADF6}" type="datetimeFigureOut">
               <a:rPr lang="fr-FR" smtClean="0"/>
-              <a:t>13/11/2013</a:t>
+              <a:pPr/>
+              <a:t>14/11/2014</a:t>
             </a:fld>
             <a:endParaRPr lang="fr-FR"/>
           </a:p>
@@ -671,6 +677,7 @@
           <a:p>
             <a:fld id="{A1173AC4-5051-4C36-A127-295F375C73B2}" type="slidenum">
               <a:rPr lang="fr-FR" smtClean="0"/>
+              <a:pPr/>
               <a:t>‹N°›</a:t>
             </a:fld>
             <a:endParaRPr lang="fr-FR"/>
@@ -794,7 +801,8 @@
           <a:p>
             <a:fld id="{5B621EC2-A11B-4501-8D06-D7B7E9B1ADF6}" type="datetimeFigureOut">
               <a:rPr lang="fr-FR" smtClean="0"/>
-              <a:t>13/11/2013</a:t>
+              <a:pPr/>
+              <a:t>14/11/2014</a:t>
             </a:fld>
             <a:endParaRPr lang="fr-FR"/>
           </a:p>
@@ -836,6 +844,7 @@
           <a:p>
             <a:fld id="{A1173AC4-5051-4C36-A127-295F375C73B2}" type="slidenum">
               <a:rPr lang="fr-FR" smtClean="0"/>
+              <a:pPr/>
               <a:t>‹N°›</a:t>
             </a:fld>
             <a:endParaRPr lang="fr-FR"/>
@@ -1035,7 +1044,8 @@
           <a:p>
             <a:fld id="{5B621EC2-A11B-4501-8D06-D7B7E9B1ADF6}" type="datetimeFigureOut">
               <a:rPr lang="fr-FR" smtClean="0"/>
-              <a:t>13/11/2013</a:t>
+              <a:pPr/>
+              <a:t>14/11/2014</a:t>
             </a:fld>
             <a:endParaRPr lang="fr-FR"/>
           </a:p>
@@ -1077,6 +1087,7 @@
           <a:p>
             <a:fld id="{A1173AC4-5051-4C36-A127-295F375C73B2}" type="slidenum">
               <a:rPr lang="fr-FR" smtClean="0"/>
+              <a:pPr/>
               <a:t>‹N°›</a:t>
             </a:fld>
             <a:endParaRPr lang="fr-FR"/>
@@ -1318,7 +1329,8 @@
           <a:p>
             <a:fld id="{5B621EC2-A11B-4501-8D06-D7B7E9B1ADF6}" type="datetimeFigureOut">
               <a:rPr lang="fr-FR" smtClean="0"/>
-              <a:t>13/11/2013</a:t>
+              <a:pPr/>
+              <a:t>14/11/2014</a:t>
             </a:fld>
             <a:endParaRPr lang="fr-FR"/>
           </a:p>
@@ -1360,6 +1372,7 @@
           <a:p>
             <a:fld id="{A1173AC4-5051-4C36-A127-295F375C73B2}" type="slidenum">
               <a:rPr lang="fr-FR" smtClean="0"/>
+              <a:pPr/>
               <a:t>‹N°›</a:t>
             </a:fld>
             <a:endParaRPr lang="fr-FR"/>
@@ -1735,7 +1748,8 @@
           <a:p>
             <a:fld id="{5B621EC2-A11B-4501-8D06-D7B7E9B1ADF6}" type="datetimeFigureOut">
               <a:rPr lang="fr-FR" smtClean="0"/>
-              <a:t>13/11/2013</a:t>
+              <a:pPr/>
+              <a:t>14/11/2014</a:t>
             </a:fld>
             <a:endParaRPr lang="fr-FR"/>
           </a:p>
@@ -1777,6 +1791,7 @@
           <a:p>
             <a:fld id="{A1173AC4-5051-4C36-A127-295F375C73B2}" type="slidenum">
               <a:rPr lang="fr-FR" smtClean="0"/>
+              <a:pPr/>
               <a:t>‹N°›</a:t>
             </a:fld>
             <a:endParaRPr lang="fr-FR"/>
@@ -1848,7 +1863,8 @@
           <a:p>
             <a:fld id="{5B621EC2-A11B-4501-8D06-D7B7E9B1ADF6}" type="datetimeFigureOut">
               <a:rPr lang="fr-FR" smtClean="0"/>
-              <a:t>13/11/2013</a:t>
+              <a:pPr/>
+              <a:t>14/11/2014</a:t>
             </a:fld>
             <a:endParaRPr lang="fr-FR"/>
           </a:p>
@@ -1890,6 +1906,7 @@
           <a:p>
             <a:fld id="{A1173AC4-5051-4C36-A127-295F375C73B2}" type="slidenum">
               <a:rPr lang="fr-FR" smtClean="0"/>
+              <a:pPr/>
               <a:t>‹N°›</a:t>
             </a:fld>
             <a:endParaRPr lang="fr-FR"/>
@@ -1938,7 +1955,8 @@
           <a:p>
             <a:fld id="{5B621EC2-A11B-4501-8D06-D7B7E9B1ADF6}" type="datetimeFigureOut">
               <a:rPr lang="fr-FR" smtClean="0"/>
-              <a:t>13/11/2013</a:t>
+              <a:pPr/>
+              <a:t>14/11/2014</a:t>
             </a:fld>
             <a:endParaRPr lang="fr-FR"/>
           </a:p>
@@ -1980,6 +1998,7 @@
           <a:p>
             <a:fld id="{A1173AC4-5051-4C36-A127-295F375C73B2}" type="slidenum">
               <a:rPr lang="fr-FR" smtClean="0"/>
+              <a:pPr/>
               <a:t>‹N°›</a:t>
             </a:fld>
             <a:endParaRPr lang="fr-FR"/>
@@ -2210,7 +2229,8 @@
           <a:p>
             <a:fld id="{5B621EC2-A11B-4501-8D06-D7B7E9B1ADF6}" type="datetimeFigureOut">
               <a:rPr lang="fr-FR" smtClean="0"/>
-              <a:t>13/11/2013</a:t>
+              <a:pPr/>
+              <a:t>14/11/2014</a:t>
             </a:fld>
             <a:endParaRPr lang="fr-FR"/>
           </a:p>
@@ -2252,6 +2272,7 @@
           <a:p>
             <a:fld id="{A1173AC4-5051-4C36-A127-295F375C73B2}" type="slidenum">
               <a:rPr lang="fr-FR" smtClean="0"/>
+              <a:pPr/>
               <a:t>‹N°›</a:t>
             </a:fld>
             <a:endParaRPr lang="fr-FR"/>
@@ -2458,7 +2479,8 @@
           <a:p>
             <a:fld id="{5B621EC2-A11B-4501-8D06-D7B7E9B1ADF6}" type="datetimeFigureOut">
               <a:rPr lang="fr-FR" smtClean="0"/>
-              <a:t>13/11/2013</a:t>
+              <a:pPr/>
+              <a:t>14/11/2014</a:t>
             </a:fld>
             <a:endParaRPr lang="fr-FR"/>
           </a:p>
@@ -2500,6 +2522,7 @@
           <a:p>
             <a:fld id="{A1173AC4-5051-4C36-A127-295F375C73B2}" type="slidenum">
               <a:rPr lang="fr-FR" smtClean="0"/>
+              <a:pPr/>
               <a:t>‹N°›</a:t>
             </a:fld>
             <a:endParaRPr lang="fr-FR"/>
@@ -2666,7 +2689,8 @@
           <a:p>
             <a:fld id="{5B621EC2-A11B-4501-8D06-D7B7E9B1ADF6}" type="datetimeFigureOut">
               <a:rPr lang="fr-FR" smtClean="0"/>
-              <a:t>13/11/2013</a:t>
+              <a:pPr/>
+              <a:t>14/11/2014</a:t>
             </a:fld>
             <a:endParaRPr lang="fr-FR"/>
           </a:p>
@@ -2744,6 +2768,7 @@
           <a:p>
             <a:fld id="{A1173AC4-5051-4C36-A127-295F375C73B2}" type="slidenum">
               <a:rPr lang="fr-FR" smtClean="0"/>
+              <a:pPr/>
               <a:t>‹N°›</a:t>
             </a:fld>
             <a:endParaRPr lang="fr-FR"/>
@@ -3068,6 +3093,66 @@
           </a:ln>
         </p:spPr>
       </p:pic>
+      <p:cxnSp>
+        <p:nvCxnSpPr>
+          <p:cNvPr id="4" name="Connecteur droit 3"/>
+          <p:cNvCxnSpPr/>
+          <p:nvPr/>
+        </p:nvCxnSpPr>
+        <p:spPr>
+          <a:xfrm rot="5400000">
+            <a:off x="1858150" y="3142454"/>
+            <a:ext cx="1571636" cy="1588"/>
+          </a:xfrm>
+          <a:prstGeom prst="line">
+            <a:avLst/>
+          </a:prstGeom>
+        </p:spPr>
+        <p:style>
+          <a:lnRef idx="1">
+            <a:schemeClr val="accent1"/>
+          </a:lnRef>
+          <a:fillRef idx="0">
+            <a:schemeClr val="accent1"/>
+          </a:fillRef>
+          <a:effectRef idx="0">
+            <a:schemeClr val="accent1"/>
+          </a:effectRef>
+          <a:fontRef idx="minor">
+            <a:schemeClr val="tx1"/>
+          </a:fontRef>
+        </p:style>
+      </p:cxnSp>
+      <p:cxnSp>
+        <p:nvCxnSpPr>
+          <p:cNvPr id="6" name="Connecteur droit 5"/>
+          <p:cNvCxnSpPr/>
+          <p:nvPr/>
+        </p:nvCxnSpPr>
+        <p:spPr>
+          <a:xfrm rot="5400000">
+            <a:off x="1466035" y="2648738"/>
+            <a:ext cx="2571768" cy="1588"/>
+          </a:xfrm>
+          <a:prstGeom prst="line">
+            <a:avLst/>
+          </a:prstGeom>
+        </p:spPr>
+        <p:style>
+          <a:lnRef idx="1">
+            <a:schemeClr val="accent1"/>
+          </a:lnRef>
+          <a:fillRef idx="0">
+            <a:schemeClr val="accent1"/>
+          </a:fillRef>
+          <a:effectRef idx="0">
+            <a:schemeClr val="accent1"/>
+          </a:effectRef>
+          <a:fontRef idx="minor">
+            <a:schemeClr val="tx1"/>
+          </a:fontRef>
+        </p:style>
+      </p:cxnSp>
     </p:spTree>
   </p:cSld>
   <p:clrMapOvr>
@@ -3200,6 +3285,203 @@
           <a:xfrm>
             <a:off x="1187624" y="3501008"/>
             <a:ext cx="2520280" cy="2232248"/>
+          </a:xfrm>
+          <a:prstGeom prst="rect">
+            <a:avLst/>
+          </a:prstGeom>
+          <a:noFill/>
+          <a:ln w="9525">
+            <a:noFill/>
+            <a:miter lim="800000"/>
+            <a:headEnd/>
+            <a:tailEnd/>
+          </a:ln>
+        </p:spPr>
+      </p:pic>
+    </p:spTree>
+  </p:cSld>
+  <p:clrMapOvr>
+    <a:masterClrMapping/>
+  </p:clrMapOvr>
+</p:sld>
+</file>
+
+<file path=ppt/slides/slide3.xml><?xml version="1.0" encoding="utf-8"?>
+<p:sld xmlns:a="http://schemas.openxmlformats.org/drawingml/2006/main" xmlns:r="http://schemas.openxmlformats.org/officeDocument/2006/relationships" xmlns:p="http://schemas.openxmlformats.org/presentationml/2006/main">
+  <p:cSld>
+    <p:spTree>
+      <p:nvGrpSpPr>
+        <p:cNvPr id="1" name=""/>
+        <p:cNvGrpSpPr/>
+        <p:nvPr/>
+      </p:nvGrpSpPr>
+      <p:grpSpPr>
+        <a:xfrm>
+          <a:off x="0" y="0"/>
+          <a:ext cx="0" cy="0"/>
+          <a:chOff x="0" y="0"/>
+          <a:chExt cx="0" cy="0"/>
+        </a:xfrm>
+      </p:grpSpPr>
+      <p:pic>
+        <p:nvPicPr>
+          <p:cNvPr id="4" name="Picture 2" descr="1"/>
+          <p:cNvPicPr>
+            <a:picLocks noChangeAspect="1" noChangeArrowheads="1"/>
+          </p:cNvPicPr>
+          <p:nvPr/>
+        </p:nvPicPr>
+        <p:blipFill>
+          <a:blip r:embed="rId2" cstate="print">
+            <a:clrChange>
+              <a:clrFrom>
+                <a:srgbClr val="FFFFFF"/>
+              </a:clrFrom>
+              <a:clrTo>
+                <a:srgbClr val="FFFFFF">
+                  <a:alpha val="0"/>
+                </a:srgbClr>
+              </a:clrTo>
+            </a:clrChange>
+          </a:blip>
+          <a:srcRect r="58184" b="35300"/>
+          <a:stretch>
+            <a:fillRect/>
+          </a:stretch>
+        </p:blipFill>
+        <p:spPr bwMode="auto">
+          <a:xfrm>
+            <a:off x="2071670" y="2857496"/>
+            <a:ext cx="3246630" cy="3307808"/>
+          </a:xfrm>
+          <a:prstGeom prst="rect">
+            <a:avLst/>
+          </a:prstGeom>
+          <a:noFill/>
+          <a:ln w="9525">
+            <a:noFill/>
+            <a:miter lim="800000"/>
+            <a:headEnd/>
+            <a:tailEnd/>
+          </a:ln>
+        </p:spPr>
+      </p:pic>
+      <p:pic>
+        <p:nvPicPr>
+          <p:cNvPr id="6" name="Picture 2" descr="1"/>
+          <p:cNvPicPr>
+            <a:picLocks noChangeAspect="1" noChangeArrowheads="1"/>
+          </p:cNvPicPr>
+          <p:nvPr/>
+        </p:nvPicPr>
+        <p:blipFill>
+          <a:blip r:embed="rId2" cstate="print">
+            <a:clrChange>
+              <a:clrFrom>
+                <a:srgbClr val="FFFFFF"/>
+              </a:clrFrom>
+              <a:clrTo>
+                <a:srgbClr val="FFFFFF">
+                  <a:alpha val="0"/>
+                </a:srgbClr>
+              </a:clrTo>
+            </a:clrChange>
+          </a:blip>
+          <a:srcRect l="42613" t="4429" r="35304" b="39679"/>
+          <a:stretch>
+            <a:fillRect/>
+          </a:stretch>
+        </p:blipFill>
+        <p:spPr bwMode="auto">
+          <a:xfrm>
+            <a:off x="4429124" y="3071810"/>
+            <a:ext cx="1714512" cy="2857520"/>
+          </a:xfrm>
+          <a:prstGeom prst="rect">
+            <a:avLst/>
+          </a:prstGeom>
+          <a:noFill/>
+          <a:ln w="9525">
+            <a:noFill/>
+            <a:miter lim="800000"/>
+            <a:headEnd/>
+            <a:tailEnd/>
+          </a:ln>
+        </p:spPr>
+      </p:pic>
+      <p:pic>
+        <p:nvPicPr>
+          <p:cNvPr id="7" name="Picture 2" descr="1"/>
+          <p:cNvPicPr>
+            <a:picLocks noChangeAspect="1" noChangeArrowheads="1"/>
+          </p:cNvPicPr>
+          <p:nvPr/>
+        </p:nvPicPr>
+        <p:blipFill>
+          <a:blip r:embed="rId2" cstate="print">
+            <a:clrChange>
+              <a:clrFrom>
+                <a:srgbClr val="FFFFFF"/>
+              </a:clrFrom>
+              <a:clrTo>
+                <a:srgbClr val="FFFFFF">
+                  <a:alpha val="0"/>
+                </a:srgbClr>
+              </a:clrTo>
+            </a:clrChange>
+          </a:blip>
+          <a:srcRect l="64573" r="1383" b="63619"/>
+          <a:stretch>
+            <a:fillRect/>
+          </a:stretch>
+        </p:blipFill>
+        <p:spPr bwMode="auto">
+          <a:xfrm>
+            <a:off x="4714876" y="2069066"/>
+            <a:ext cx="2643206" cy="1860000"/>
+          </a:xfrm>
+          <a:prstGeom prst="rect">
+            <a:avLst/>
+          </a:prstGeom>
+          <a:noFill/>
+          <a:ln w="9525">
+            <a:noFill/>
+            <a:miter lim="800000"/>
+            <a:headEnd/>
+            <a:tailEnd/>
+          </a:ln>
+        </p:spPr>
+      </p:pic>
+      <p:pic>
+        <p:nvPicPr>
+          <p:cNvPr id="8" name="Picture 2" descr="1"/>
+          <p:cNvPicPr>
+            <a:picLocks noChangeAspect="1" noChangeArrowheads="1"/>
+          </p:cNvPicPr>
+          <p:nvPr/>
+        </p:nvPicPr>
+        <p:blipFill>
+          <a:blip r:embed="rId2" cstate="print">
+            <a:clrChange>
+              <a:clrFrom>
+                <a:srgbClr val="FFFFFF"/>
+              </a:clrFrom>
+              <a:clrTo>
+                <a:srgbClr val="FFFFFF">
+                  <a:alpha val="0"/>
+                </a:srgbClr>
+              </a:clrTo>
+            </a:clrChange>
+          </a:blip>
+          <a:srcRect l="66413" t="40573" r="19785"/>
+          <a:stretch>
+            <a:fillRect/>
+          </a:stretch>
+        </p:blipFill>
+        <p:spPr bwMode="auto">
+          <a:xfrm>
+            <a:off x="4857752" y="2071678"/>
+            <a:ext cx="1071570" cy="3038254"/>
           </a:xfrm>
           <a:prstGeom prst="rect">
             <a:avLst/>
